--- a/temas/intro2024.pptx
+++ b/temas/intro2024.pptx
@@ -274,7 +274,7 @@
           <a:p>
             <a:fld id="{2245A84E-8D53-4A8D-A36D-9144D4C546B9}" type="datetimeFigureOut">
               <a:rPr lang="en-US" smtClean="0"/>
-              <a:t>2/19/2024</a:t>
+              <a:t>5/28/2024</a:t>
             </a:fld>
             <a:endParaRPr lang="en-US"/>
           </a:p>
@@ -466,7 +466,7 @@
               <a:pPr>
                 <a:defRPr/>
               </a:pPr>
-              <a:t>2/19/2024</a:t>
+              <a:t>5/28/2024</a:t>
             </a:fld>
             <a:endParaRPr lang="en-US"/>
           </a:p>
@@ -1182,7 +1182,7 @@
               <a:pPr>
                 <a:defRPr/>
               </a:pPr>
-              <a:t>2/19/2024</a:t>
+              <a:t>5/28/2024</a:t>
             </a:fld>
             <a:endParaRPr lang="en-US"/>
           </a:p>
@@ -1556,7 +1556,7 @@
               <a:pPr>
                 <a:defRPr/>
               </a:pPr>
-              <a:t>2/19/2024</a:t>
+              <a:t>5/28/2024</a:t>
             </a:fld>
             <a:endParaRPr lang="en-US"/>
           </a:p>
@@ -1746,7 +1746,7 @@
               <a:pPr>
                 <a:defRPr/>
               </a:pPr>
-              <a:t>2/19/2024</a:t>
+              <a:t>5/28/2024</a:t>
             </a:fld>
             <a:endParaRPr lang="en-US"/>
           </a:p>
@@ -1996,7 +1996,7 @@
               <a:pPr>
                 <a:defRPr/>
               </a:pPr>
-              <a:t>2/19/2024</a:t>
+              <a:t>5/28/2024</a:t>
             </a:fld>
             <a:endParaRPr lang="en-US"/>
           </a:p>
@@ -2280,7 +2280,7 @@
               <a:pPr>
                 <a:defRPr/>
               </a:pPr>
-              <a:t>2/19/2024</a:t>
+              <a:t>5/28/2024</a:t>
             </a:fld>
             <a:endParaRPr lang="en-US"/>
           </a:p>
@@ -2515,7 +2515,7 @@
               <a:pPr>
                 <a:defRPr/>
               </a:pPr>
-              <a:t>2/19/2024</a:t>
+              <a:t>5/28/2024</a:t>
             </a:fld>
             <a:endParaRPr lang="en-US"/>
           </a:p>
@@ -2882,7 +2882,7 @@
               <a:pPr>
                 <a:defRPr/>
               </a:pPr>
-              <a:t>2/19/2024</a:t>
+              <a:t>5/28/2024</a:t>
             </a:fld>
             <a:endParaRPr lang="en-US"/>
           </a:p>
@@ -3129,7 +3129,7 @@
               <a:pPr>
                 <a:defRPr/>
               </a:pPr>
-              <a:t>2/19/2024</a:t>
+              <a:t>5/28/2024</a:t>
             </a:fld>
             <a:endParaRPr lang="en-US"/>
           </a:p>
@@ -3284,7 +3284,7 @@
               <a:pPr>
                 <a:defRPr/>
               </a:pPr>
-              <a:t>2/19/2024</a:t>
+              <a:t>5/28/2024</a:t>
             </a:fld>
             <a:endParaRPr lang="en-US"/>
           </a:p>
@@ -3576,7 +3576,7 @@
               <a:pPr>
                 <a:defRPr/>
               </a:pPr>
-              <a:t>2/19/2024</a:t>
+              <a:t>5/28/2024</a:t>
             </a:fld>
             <a:endParaRPr lang="en-US"/>
           </a:p>
@@ -3998,7 +3998,7 @@
               <a:pPr>
                 <a:defRPr/>
               </a:pPr>
-              <a:t>2/19/2024</a:t>
+              <a:t>5/28/2024</a:t>
             </a:fld>
             <a:endParaRPr lang="en-US"/>
           </a:p>
@@ -4351,7 +4351,7 @@
               <a:pPr>
                 <a:defRPr/>
               </a:pPr>
-              <a:t>2/19/2024</a:t>
+              <a:t>5/28/2024</a:t>
             </a:fld>
             <a:endParaRPr lang="en-US" dirty="0">
               <a:solidFill>
@@ -5536,6 +5536,41 @@
           </a:xfrm>
         </p:spPr>
       </p:pic>
+      <p:sp>
+        <p:nvSpPr>
+          <p:cNvPr id="2" name="CuadroTexto 1">
+            <a:extLst>
+              <a:ext uri="{FF2B5EF4-FFF2-40B4-BE49-F238E27FC236}">
+                <a16:creationId xmlns:a16="http://schemas.microsoft.com/office/drawing/2014/main" id="{92B6B621-BB78-4FED-B4E1-35C792475BC4}"/>
+              </a:ext>
+            </a:extLst>
+          </p:cNvPr>
+          <p:cNvSpPr txBox="1"/>
+          <p:nvPr/>
+        </p:nvSpPr>
+        <p:spPr>
+          <a:xfrm>
+            <a:off x="457200" y="5661248"/>
+            <a:ext cx="7879208" cy="369332"/>
+          </a:xfrm>
+          <a:prstGeom prst="rect">
+            <a:avLst/>
+          </a:prstGeom>
+          <a:noFill/>
+        </p:spPr>
+        <p:txBody>
+          <a:bodyPr wrap="none" rtlCol="0">
+            <a:spAutoFit/>
+          </a:bodyPr>
+          <a:lstStyle/>
+          <a:p>
+            <a:r>
+              <a:rPr lang="es-ES" dirty="0"/>
+              <a:t>La calificación del tema 5 unifica teoría y prácticas. A partir de 4, compensa.</a:t>
+            </a:r>
+          </a:p>
+        </p:txBody>
+      </p:sp>
     </p:spTree>
     <p:extLst>
       <p:ext uri="{BB962C8B-B14F-4D97-AF65-F5344CB8AC3E}">
@@ -6005,7 +6040,7 @@
         <p:spPr/>
         <p:txBody>
           <a:bodyPr>
-            <a:normAutofit lnSpcReduction="10000"/>
+            <a:normAutofit/>
           </a:bodyPr>
           <a:lstStyle/>
           <a:p>
@@ -6113,7 +6148,7 @@
           <a:p>
             <a:r>
               <a:rPr lang="es-ES" dirty="0"/>
-              <a:t>Requisitos mínimos</a:t>
+              <a:t>Requisitos mínimos (para el final)</a:t>
             </a:r>
           </a:p>
         </p:txBody>
@@ -12501,6 +12536,15 @@
 </file>
 
 <file path=customXml/item2.xml><?xml version="1.0" encoding="utf-8"?>
+<?mso-contentType ?>
+<FormTemplates xmlns="http://schemas.microsoft.com/sharepoint/v3/contenttype/forms">
+  <Display>DocumentLibraryForm</Display>
+  <Edit>DocumentLibraryForm</Edit>
+  <New>DocumentLibraryForm</New>
+</FormTemplates>
+</file>
+
+<file path=customXml/item3.xml><?xml version="1.0" encoding="utf-8"?>
 <ct:contentTypeSchema xmlns:ct="http://schemas.microsoft.com/office/2006/metadata/contentType" xmlns:ma="http://schemas.microsoft.com/office/2006/metadata/properties/metaAttributes" ct:_="" ma:_="" ma:contentTypeName="Documento" ma:contentTypeID="0x0101004CE8D363D1A06C4A8E99892E111062E1" ma:contentTypeVersion="11" ma:contentTypeDescription="Crear nuevo documento." ma:contentTypeScope="" ma:versionID="bc7335ac6b45c3b24761353ffdff9b7a">
   <xsd:schema xmlns:xsd="http://www.w3.org/2001/XMLSchema" xmlns:xs="http://www.w3.org/2001/XMLSchema" xmlns:p="http://schemas.microsoft.com/office/2006/metadata/properties" xmlns:ns3="2d68f367-3448-4584-8be4-e5200f1a88eb" xmlns:ns4="b7216d0d-3061-4c5f-91f9-f9dbb705efc2" targetNamespace="http://schemas.microsoft.com/office/2006/metadata/properties" ma:root="true" ma:fieldsID="9890ec198a05d4ef84ee45e003419e1e" ns3:_="" ns4:_="">
     <xsd:import namespace="2d68f367-3448-4584-8be4-e5200f1a88eb"/>
@@ -12709,15 +12753,6 @@
 </ct:contentTypeSchema>
 </file>
 
-<file path=customXml/item3.xml><?xml version="1.0" encoding="utf-8"?>
-<?mso-contentType ?>
-<FormTemplates xmlns="http://schemas.microsoft.com/sharepoint/v3/contenttype/forms">
-  <Display>DocumentLibraryForm</Display>
-  <Edit>DocumentLibraryForm</Edit>
-  <New>DocumentLibraryForm</New>
-</FormTemplates>
-</file>
-
 <file path=customXml/itemProps1.xml><?xml version="1.0" encoding="utf-8"?>
 <ds:datastoreItem xmlns:ds="http://schemas.openxmlformats.org/officeDocument/2006/customXml" ds:itemID="{C4052234-4F05-44DE-9654-247F8CD78F7B}">
   <ds:schemaRefs>
@@ -12736,6 +12771,14 @@
 </file>
 
 <file path=customXml/itemProps2.xml><?xml version="1.0" encoding="utf-8"?>
+<ds:datastoreItem xmlns:ds="http://schemas.openxmlformats.org/officeDocument/2006/customXml" ds:itemID="{D7792CB8-57C7-47F1-B9EF-BB12916B3769}">
+  <ds:schemaRefs>
+    <ds:schemaRef ds:uri="http://schemas.microsoft.com/sharepoint/v3/contenttype/forms"/>
+  </ds:schemaRefs>
+</ds:datastoreItem>
+</file>
+
+<file path=customXml/itemProps3.xml><?xml version="1.0" encoding="utf-8"?>
 <ds:datastoreItem xmlns:ds="http://schemas.openxmlformats.org/officeDocument/2006/customXml" ds:itemID="{27CE259D-98F5-43DE-B579-62838D235688}">
   <ds:schemaRefs>
     <ds:schemaRef ds:uri="http://schemas.microsoft.com/office/2006/metadata/contentType"/>
@@ -12752,12 +12795,4 @@
     <ds:schemaRef ds:uri="http://schemas.microsoft.com/internal/obd"/>
   </ds:schemaRefs>
 </ds:datastoreItem>
-</file>
-
-<file path=customXml/itemProps3.xml><?xml version="1.0" encoding="utf-8"?>
-<ds:datastoreItem xmlns:ds="http://schemas.openxmlformats.org/officeDocument/2006/customXml" ds:itemID="{D7792CB8-57C7-47F1-B9EF-BB12916B3769}">
-  <ds:schemaRefs>
-    <ds:schemaRef ds:uri="http://schemas.microsoft.com/sharepoint/v3/contenttype/forms"/>
-  </ds:schemaRefs>
-</ds:datastoreItem>
 </file>